--- a/北理东南研究院相关/智能写作课题报告-李英豪.pptx
+++ b/北理东南研究院相关/智能写作课题报告-李英豪.pptx
@@ -7393,12 +7393,8 @@
               <a:t>时，</a:t>
             </a:r>
             <a:r>
-              <a:rPr lang="en-US" altLang="zh-CN" dirty="0" err="1"/>
-              <a:t>sotf</a:t>
-            </a:r>
-            <a:r>
               <a:rPr lang="en-US" altLang="zh-CN" dirty="0"/>
-              <a:t>-masked</a:t>
+              <a:t>soft-masked</a:t>
             </a:r>
             <a:r>
               <a:rPr lang="zh-CN" altLang="en-US" dirty="0"/>
@@ -8173,11 +8169,7 @@
             </a:r>
             <a:r>
               <a:rPr lang="en-US" altLang="zh-CN" dirty="0"/>
-              <a:t>word selection </a:t>
-            </a:r>
-            <a:r>
-              <a:rPr lang="en-US" altLang="zh-CN" dirty="0" err="1"/>
-              <a:t>erors</a:t>
+              <a:t>word selection errors</a:t>
             </a:r>
             <a:r>
               <a:rPr lang="zh-CN" altLang="en-US" dirty="0"/>
@@ -9880,7 +9872,7 @@
           <a:p>
             <a:r>
               <a:rPr lang="zh-CN" altLang="en-US" dirty="0"/>
-              <a:t>本次任务上多食用</a:t>
+              <a:t>本次任务上多使用</a:t>
             </a:r>
             <a:r>
               <a:rPr lang="en-US" altLang="zh-CN" dirty="0" err="1"/>
